--- a/Präsentation/Chain of Responsibility.pptx
+++ b/Präsentation/Chain of Responsibility.pptx
@@ -2,24 +2,24 @@
 <file path=ppt/presentation.xml><?xml version="1.0" encoding="utf-8"?>
 <p:presentation xmlns:a="http://schemas.openxmlformats.org/drawingml/2006/main" xmlns:r="http://schemas.openxmlformats.org/officeDocument/2006/relationships" xmlns:p="http://schemas.openxmlformats.org/presentationml/2006/main" saveSubsetFonts="1">
   <p:sldMasterIdLst>
-    <p:sldMasterId id="2147483648" r:id="rId1"/>
+    <p:sldMasterId id="2147483648" r:id="rId4"/>
   </p:sldMasterIdLst>
   <p:notesMasterIdLst>
-    <p:notesMasterId r:id="rId14"/>
+    <p:notesMasterId r:id="rId17"/>
   </p:notesMasterIdLst>
   <p:sldIdLst>
-    <p:sldId id="256" r:id="rId2"/>
-    <p:sldId id="258" r:id="rId3"/>
-    <p:sldId id="257" r:id="rId4"/>
-    <p:sldId id="259" r:id="rId5"/>
-    <p:sldId id="267" r:id="rId6"/>
-    <p:sldId id="265" r:id="rId7"/>
-    <p:sldId id="266" r:id="rId8"/>
-    <p:sldId id="264" r:id="rId9"/>
-    <p:sldId id="260" r:id="rId10"/>
-    <p:sldId id="261" r:id="rId11"/>
-    <p:sldId id="262" r:id="rId12"/>
-    <p:sldId id="263" r:id="rId13"/>
+    <p:sldId id="256" r:id="rId5"/>
+    <p:sldId id="258" r:id="rId6"/>
+    <p:sldId id="257" r:id="rId7"/>
+    <p:sldId id="259" r:id="rId8"/>
+    <p:sldId id="267" r:id="rId9"/>
+    <p:sldId id="265" r:id="rId10"/>
+    <p:sldId id="266" r:id="rId11"/>
+    <p:sldId id="264" r:id="rId12"/>
+    <p:sldId id="260" r:id="rId13"/>
+    <p:sldId id="261" r:id="rId14"/>
+    <p:sldId id="262" r:id="rId15"/>
+    <p:sldId id="263" r:id="rId16"/>
   </p:sldIdLst>
   <p:sldSz cx="12192000" cy="6858000"/>
   <p:notesSz cx="6858000" cy="9144000"/>
@@ -129,7 +129,7 @@
 <file path=ppt/revisionInfo.xml><?xml version="1.0" encoding="utf-8"?>
 <p1510:revInfo xmlns:a="http://schemas.openxmlformats.org/drawingml/2006/main" xmlns:r="http://schemas.openxmlformats.org/officeDocument/2006/relationships" xmlns:p1510="http://schemas.microsoft.com/office/powerpoint/2015/10/main">
   <p1510:revLst>
-    <p1510:client id="{E3A60B6A-FA56-4ADF-B427-8628DBFBBB75}" v="16" dt="2024-09-26T17:07:11.045"/>
+    <p1510:client id="{E3A60B6A-FA56-4ADF-B427-8628DBFBBB75}" v="21" dt="2024-09-27T08:13:36.528"/>
   </p1510:revLst>
 </p1510:revInfo>
 </file>
@@ -139,7 +139,7 @@
   <pc:docChgLst>
     <pc:chgData name="Mikanovic Marko" userId="601cc853-69c9-4b58-8463-0a429f786402" providerId="ADAL" clId="{E3A60B6A-FA56-4ADF-B427-8628DBFBBB75}"/>
     <pc:docChg chg="undo redo custSel addSld modSld sldOrd modMainMaster">
-      <pc:chgData name="Mikanovic Marko" userId="601cc853-69c9-4b58-8463-0a429f786402" providerId="ADAL" clId="{E3A60B6A-FA56-4ADF-B427-8628DBFBBB75}" dt="2024-09-26T17:07:18.492" v="2367" actId="207"/>
+      <pc:chgData name="Mikanovic Marko" userId="601cc853-69c9-4b58-8463-0a429f786402" providerId="ADAL" clId="{E3A60B6A-FA56-4ADF-B427-8628DBFBBB75}" dt="2024-09-27T07:02:46.418" v="2464" actId="20577"/>
       <pc:docMkLst>
         <pc:docMk/>
       </pc:docMkLst>
@@ -151,13 +151,13 @@
         </pc:sldMkLst>
       </pc:sldChg>
       <pc:sldChg chg="modSp mod modTransition">
-        <pc:chgData name="Mikanovic Marko" userId="601cc853-69c9-4b58-8463-0a429f786402" providerId="ADAL" clId="{E3A60B6A-FA56-4ADF-B427-8628DBFBBB75}" dt="2024-09-26T17:05:36.137" v="2359"/>
+        <pc:chgData name="Mikanovic Marko" userId="601cc853-69c9-4b58-8463-0a429f786402" providerId="ADAL" clId="{E3A60B6A-FA56-4ADF-B427-8628DBFBBB75}" dt="2024-09-27T07:02:46.418" v="2464" actId="20577"/>
         <pc:sldMkLst>
           <pc:docMk/>
           <pc:sldMk cId="1678351217" sldId="257"/>
         </pc:sldMkLst>
         <pc:spChg chg="mod">
-          <ac:chgData name="Mikanovic Marko" userId="601cc853-69c9-4b58-8463-0a429f786402" providerId="ADAL" clId="{E3A60B6A-FA56-4ADF-B427-8628DBFBBB75}" dt="2024-09-20T05:51:18.724" v="649" actId="20577"/>
+          <ac:chgData name="Mikanovic Marko" userId="601cc853-69c9-4b58-8463-0a429f786402" providerId="ADAL" clId="{E3A60B6A-FA56-4ADF-B427-8628DBFBBB75}" dt="2024-09-27T07:02:46.418" v="2464" actId="20577"/>
           <ac:spMkLst>
             <pc:docMk/>
             <pc:sldMk cId="1678351217" sldId="257"/>
@@ -166,7 +166,7 @@
         </pc:spChg>
       </pc:sldChg>
       <pc:sldChg chg="addSp delSp modSp mod modTransition">
-        <pc:chgData name="Mikanovic Marko" userId="601cc853-69c9-4b58-8463-0a429f786402" providerId="ADAL" clId="{E3A60B6A-FA56-4ADF-B427-8628DBFBBB75}" dt="2024-09-26T17:05:36.137" v="2359"/>
+        <pc:chgData name="Mikanovic Marko" userId="601cc853-69c9-4b58-8463-0a429f786402" providerId="ADAL" clId="{E3A60B6A-FA56-4ADF-B427-8628DBFBBB75}" dt="2024-09-27T05:34:50.898" v="2428" actId="20577"/>
         <pc:sldMkLst>
           <pc:docMk/>
           <pc:sldMk cId="2433732980" sldId="258"/>
@@ -180,15 +180,15 @@
           </ac:spMkLst>
         </pc:spChg>
         <pc:spChg chg="mod">
-          <ac:chgData name="Mikanovic Marko" userId="601cc853-69c9-4b58-8463-0a429f786402" providerId="ADAL" clId="{E3A60B6A-FA56-4ADF-B427-8628DBFBBB75}" dt="2024-09-26T17:02:27.292" v="2340" actId="26606"/>
+          <ac:chgData name="Mikanovic Marko" userId="601cc853-69c9-4b58-8463-0a429f786402" providerId="ADAL" clId="{E3A60B6A-FA56-4ADF-B427-8628DBFBBB75}" dt="2024-09-27T05:34:50.898" v="2428" actId="20577"/>
           <ac:spMkLst>
             <pc:docMk/>
             <pc:sldMk cId="2433732980" sldId="258"/>
             <ac:spMk id="3" creationId="{EAE3C45A-266C-280A-2D72-271040558ABD}"/>
           </ac:spMkLst>
         </pc:spChg>
-        <pc:spChg chg="mod">
-          <ac:chgData name="Mikanovic Marko" userId="601cc853-69c9-4b58-8463-0a429f786402" providerId="ADAL" clId="{E3A60B6A-FA56-4ADF-B427-8628DBFBBB75}" dt="2024-09-26T17:02:27.292" v="2340" actId="26606"/>
+        <pc:spChg chg="del mod">
+          <ac:chgData name="Mikanovic Marko" userId="601cc853-69c9-4b58-8463-0a429f786402" providerId="ADAL" clId="{E3A60B6A-FA56-4ADF-B427-8628DBFBBB75}" dt="2024-09-26T18:37:00.554" v="2371" actId="21"/>
           <ac:spMkLst>
             <pc:docMk/>
             <pc:sldMk cId="2433732980" sldId="258"/>
@@ -201,6 +201,14 @@
             <pc:docMk/>
             <pc:sldMk cId="2433732980" sldId="258"/>
             <ac:spMk id="5" creationId="{6B7F4AAE-E689-1CF9-D959-5194ABC3F494}"/>
+          </ac:spMkLst>
+        </pc:spChg>
+        <pc:spChg chg="add mod">
+          <ac:chgData name="Mikanovic Marko" userId="601cc853-69c9-4b58-8463-0a429f786402" providerId="ADAL" clId="{E3A60B6A-FA56-4ADF-B427-8628DBFBBB75}" dt="2024-09-26T18:36:57.282" v="2370"/>
+          <ac:spMkLst>
+            <pc:docMk/>
+            <pc:sldMk cId="2433732980" sldId="258"/>
+            <ac:spMk id="6" creationId="{6F2452F9-09F8-F830-F028-A809508B242F}"/>
           </ac:spMkLst>
         </pc:spChg>
         <pc:spChg chg="del">
@@ -277,13 +285,13 @@
         </pc:spChg>
       </pc:sldChg>
       <pc:sldChg chg="addSp delSp modSp new mod modTransition setBg">
-        <pc:chgData name="Mikanovic Marko" userId="601cc853-69c9-4b58-8463-0a429f786402" providerId="ADAL" clId="{E3A60B6A-FA56-4ADF-B427-8628DBFBBB75}" dt="2024-09-26T17:05:36.137" v="2359"/>
+        <pc:chgData name="Mikanovic Marko" userId="601cc853-69c9-4b58-8463-0a429f786402" providerId="ADAL" clId="{E3A60B6A-FA56-4ADF-B427-8628DBFBBB75}" dt="2024-09-26T18:36:25.350" v="2369" actId="403"/>
         <pc:sldMkLst>
           <pc:docMk/>
           <pc:sldMk cId="2443035156" sldId="259"/>
         </pc:sldMkLst>
         <pc:spChg chg="mod">
-          <ac:chgData name="Mikanovic Marko" userId="601cc853-69c9-4b58-8463-0a429f786402" providerId="ADAL" clId="{E3A60B6A-FA56-4ADF-B427-8628DBFBBB75}" dt="2024-09-20T06:14:41.582" v="770" actId="26606"/>
+          <ac:chgData name="Mikanovic Marko" userId="601cc853-69c9-4b58-8463-0a429f786402" providerId="ADAL" clId="{E3A60B6A-FA56-4ADF-B427-8628DBFBBB75}" dt="2024-09-26T18:36:25.350" v="2369" actId="403"/>
           <ac:spMkLst>
             <pc:docMk/>
             <pc:sldMk cId="2443035156" sldId="259"/>
@@ -412,7 +420,7 @@
         </pc:picChg>
       </pc:sldChg>
       <pc:sldChg chg="addSp delSp modSp new mod modTransition setBg">
-        <pc:chgData name="Mikanovic Marko" userId="601cc853-69c9-4b58-8463-0a429f786402" providerId="ADAL" clId="{E3A60B6A-FA56-4ADF-B427-8628DBFBBB75}" dt="2024-09-26T17:05:36.137" v="2359"/>
+        <pc:chgData name="Mikanovic Marko" userId="601cc853-69c9-4b58-8463-0a429f786402" providerId="ADAL" clId="{E3A60B6A-FA56-4ADF-B427-8628DBFBBB75}" dt="2024-09-27T05:27:05.129" v="2373" actId="20577"/>
         <pc:sldMkLst>
           <pc:docMk/>
           <pc:sldMk cId="2672042660" sldId="260"/>
@@ -506,7 +514,7 @@
           </ac:graphicFrameMkLst>
         </pc:graphicFrameChg>
         <pc:graphicFrameChg chg="add mod">
-          <ac:chgData name="Mikanovic Marko" userId="601cc853-69c9-4b58-8463-0a429f786402" providerId="ADAL" clId="{E3A60B6A-FA56-4ADF-B427-8628DBFBBB75}" dt="2024-09-26T16:52:00.100" v="1789" actId="20577"/>
+          <ac:chgData name="Mikanovic Marko" userId="601cc853-69c9-4b58-8463-0a429f786402" providerId="ADAL" clId="{E3A60B6A-FA56-4ADF-B427-8628DBFBBB75}" dt="2024-09-27T05:27:05.129" v="2373" actId="20577"/>
           <ac:graphicFrameMkLst>
             <pc:docMk/>
             <pc:sldMk cId="2672042660" sldId="260"/>
@@ -1086,13 +1094,13 @@
         </pc:picChg>
       </pc:sldChg>
       <pc:sldChg chg="addSp delSp modSp new mod modTransition setBg">
-        <pc:chgData name="Mikanovic Marko" userId="601cc853-69c9-4b58-8463-0a429f786402" providerId="ADAL" clId="{E3A60B6A-FA56-4ADF-B427-8628DBFBBB75}" dt="2024-09-26T17:05:36.137" v="2359"/>
+        <pc:chgData name="Mikanovic Marko" userId="601cc853-69c9-4b58-8463-0a429f786402" providerId="ADAL" clId="{E3A60B6A-FA56-4ADF-B427-8628DBFBBB75}" dt="2024-09-27T05:34:43.680" v="2425" actId="20577"/>
         <pc:sldMkLst>
           <pc:docMk/>
           <pc:sldMk cId="3568684902" sldId="266"/>
         </pc:sldMkLst>
         <pc:spChg chg="mod">
-          <ac:chgData name="Mikanovic Marko" userId="601cc853-69c9-4b58-8463-0a429f786402" providerId="ADAL" clId="{E3A60B6A-FA56-4ADF-B427-8628DBFBBB75}" dt="2024-09-26T17:04:47.927" v="2356" actId="404"/>
+          <ac:chgData name="Mikanovic Marko" userId="601cc853-69c9-4b58-8463-0a429f786402" providerId="ADAL" clId="{E3A60B6A-FA56-4ADF-B427-8628DBFBBB75}" dt="2024-09-27T05:34:43.680" v="2425" actId="20577"/>
           <ac:spMkLst>
             <pc:docMk/>
             <pc:sldMk cId="3568684902" sldId="266"/>
@@ -1173,13 +1181,13 @@
         </pc:picChg>
       </pc:sldChg>
       <pc:sldChg chg="addSp modSp new mod modTransition setBg">
-        <pc:chgData name="Mikanovic Marko" userId="601cc853-69c9-4b58-8463-0a429f786402" providerId="ADAL" clId="{E3A60B6A-FA56-4ADF-B427-8628DBFBBB75}" dt="2024-09-26T17:05:36.137" v="2359"/>
+        <pc:chgData name="Mikanovic Marko" userId="601cc853-69c9-4b58-8463-0a429f786402" providerId="ADAL" clId="{E3A60B6A-FA56-4ADF-B427-8628DBFBBB75}" dt="2024-09-27T05:26:52.290" v="2372" actId="404"/>
         <pc:sldMkLst>
           <pc:docMk/>
           <pc:sldMk cId="1871493774" sldId="267"/>
         </pc:sldMkLst>
         <pc:spChg chg="mod">
-          <ac:chgData name="Mikanovic Marko" userId="601cc853-69c9-4b58-8463-0a429f786402" providerId="ADAL" clId="{E3A60B6A-FA56-4ADF-B427-8628DBFBBB75}" dt="2024-09-20T07:23:39.945" v="922" actId="26606"/>
+          <ac:chgData name="Mikanovic Marko" userId="601cc853-69c9-4b58-8463-0a429f786402" providerId="ADAL" clId="{E3A60B6A-FA56-4ADF-B427-8628DBFBBB75}" dt="2024-09-27T05:26:52.290" v="2372" actId="404"/>
           <ac:spMkLst>
             <pc:docMk/>
             <pc:sldMk cId="1871493774" sldId="267"/>
@@ -2929,14 +2937,6 @@
             <a:t></a:t>
           </a:r>
           <a:r>
-            <a:rPr lang="de-AT" dirty="0">
-              <a:latin typeface="Cambria Math" panose="02040503050406030204" pitchFamily="18" charset="0"/>
-              <a:ea typeface="Cambria Math" panose="02040503050406030204" pitchFamily="18" charset="0"/>
-              <a:sym typeface="Wingdings" panose="05000000000000000000" pitchFamily="2" charset="2"/>
-            </a:rPr>
-            <a:t>˪</a:t>
-          </a:r>
-          <a:r>
             <a:rPr lang="de-AT" dirty="0"/>
             <a:t>genaue Arten und Reihenfolge vorher nicht bekannt</a:t>
           </a:r>
@@ -3661,14 +3661,6 @@
               <a:sym typeface="Wingdings" panose="05000000000000000000" pitchFamily="2" charset="2"/>
             </a:rPr>
             <a:t></a:t>
-          </a:r>
-          <a:r>
-            <a:rPr lang="de-AT" sz="3300" kern="1200" dirty="0">
-              <a:latin typeface="Cambria Math" panose="02040503050406030204" pitchFamily="18" charset="0"/>
-              <a:ea typeface="Cambria Math" panose="02040503050406030204" pitchFamily="18" charset="0"/>
-              <a:sym typeface="Wingdings" panose="05000000000000000000" pitchFamily="2" charset="2"/>
-            </a:rPr>
-            <a:t>˪</a:t>
           </a:r>
           <a:r>
             <a:rPr lang="de-AT" sz="3300" kern="1200" dirty="0"/>
@@ -7109,7 +7101,7 @@
           <a:p>
             <a:fld id="{EAA180EE-BACA-4642-A693-CFF5CA4E020F}" type="datetimeFigureOut">
               <a:rPr lang="de-AT" smtClean="0"/>
-              <a:t>26.09.2024</a:t>
+              <a:t>27.09.2024</a:t>
             </a:fld>
             <a:endParaRPr lang="de-AT"/>
           </a:p>
@@ -7377,6 +7369,90 @@
 </p:notesMaster>
 </file>
 
+<file path=ppt/notesSlides/notesSlide1.xml><?xml version="1.0" encoding="utf-8"?>
+<p:notes xmlns:a="http://schemas.openxmlformats.org/drawingml/2006/main" xmlns:r="http://schemas.openxmlformats.org/officeDocument/2006/relationships" xmlns:p="http://schemas.openxmlformats.org/presentationml/2006/main">
+  <p:cSld>
+    <p:spTree>
+      <p:nvGrpSpPr>
+        <p:cNvPr id="1" name=""/>
+        <p:cNvGrpSpPr/>
+        <p:nvPr/>
+      </p:nvGrpSpPr>
+      <p:grpSpPr>
+        <a:xfrm>
+          <a:off x="0" y="0"/>
+          <a:ext cx="0" cy="0"/>
+          <a:chOff x="0" y="0"/>
+          <a:chExt cx="0" cy="0"/>
+        </a:xfrm>
+      </p:grpSpPr>
+      <p:sp>
+        <p:nvSpPr>
+          <p:cNvPr id="2" name="Folienbildplatzhalter 1"/>
+          <p:cNvSpPr>
+            <a:spLocks noGrp="1" noRot="1" noChangeAspect="1"/>
+          </p:cNvSpPr>
+          <p:nvPr>
+            <p:ph type="sldImg"/>
+          </p:nvPr>
+        </p:nvSpPr>
+        <p:spPr/>
+      </p:sp>
+      <p:sp>
+        <p:nvSpPr>
+          <p:cNvPr id="3" name="Notizenplatzhalter 2"/>
+          <p:cNvSpPr>
+            <a:spLocks noGrp="1"/>
+          </p:cNvSpPr>
+          <p:nvPr>
+            <p:ph type="body" idx="1"/>
+          </p:nvPr>
+        </p:nvSpPr>
+        <p:spPr/>
+        <p:txBody>
+          <a:bodyPr/>
+          <a:lstStyle/>
+          <a:p>
+            <a:endParaRPr lang="de-AT" dirty="0"/>
+          </a:p>
+        </p:txBody>
+      </p:sp>
+      <p:sp>
+        <p:nvSpPr>
+          <p:cNvPr id="4" name="Foliennummernplatzhalter 3"/>
+          <p:cNvSpPr>
+            <a:spLocks noGrp="1"/>
+          </p:cNvSpPr>
+          <p:nvPr>
+            <p:ph type="sldNum" sz="quarter" idx="5"/>
+          </p:nvPr>
+        </p:nvSpPr>
+        <p:spPr/>
+        <p:txBody>
+          <a:bodyPr/>
+          <a:lstStyle/>
+          <a:p>
+            <a:fld id="{E0A62ADC-6B93-4951-9022-17D840B2EB52}" type="slidenum">
+              <a:rPr lang="de-AT" smtClean="0"/>
+              <a:t>1</a:t>
+            </a:fld>
+            <a:endParaRPr lang="de-AT"/>
+          </a:p>
+        </p:txBody>
+      </p:sp>
+    </p:spTree>
+    <p:extLst>
+      <p:ext uri="{BB962C8B-B14F-4D97-AF65-F5344CB8AC3E}">
+        <p14:creationId xmlns:p14="http://schemas.microsoft.com/office/powerpoint/2010/main" val="1056967269"/>
+      </p:ext>
+    </p:extLst>
+  </p:cSld>
+  <p:clrMapOvr>
+    <a:masterClrMapping/>
+  </p:clrMapOvr>
+</p:notes>
+</file>
+
 <file path=ppt/slideLayouts/slideLayout1.xml><?xml version="1.0" encoding="utf-8"?>
 <p:sldLayout xmlns:a="http://schemas.openxmlformats.org/drawingml/2006/main" xmlns:r="http://schemas.openxmlformats.org/officeDocument/2006/relationships" xmlns:p="http://schemas.openxmlformats.org/presentationml/2006/main" type="title" preserve="1">
   <p:cSld name="Titelfolie">
@@ -7526,7 +7602,7 @@
           <a:p>
             <a:fld id="{03AAB5B6-7BF8-4146-8BA5-59D49D4A43EA}" type="datetime1">
               <a:rPr lang="de-AT" smtClean="0"/>
-              <a:t>26.09.2024</a:t>
+              <a:t>27.09.2024</a:t>
             </a:fld>
             <a:endParaRPr lang="de-AT"/>
           </a:p>
@@ -7599,13 +7675,13 @@
   <p:clrMapOvr>
     <a:masterClrMapping/>
   </p:clrMapOvr>
-  <mc:AlternateContent xmlns:mc="http://schemas.openxmlformats.org/markup-compatibility/2006">
-    <mc:Choice xmlns:p159="http://schemas.microsoft.com/office/powerpoint/2015/09/main" Requires="p159">
+  <mc:AlternateContent xmlns:mc="http://schemas.openxmlformats.org/markup-compatibility/2006" xmlns:p159="http://schemas.microsoft.com/office/powerpoint/2015/09/main">
+    <mc:Choice Requires="p159">
       <p:transition xmlns:p14="http://schemas.microsoft.com/office/powerpoint/2010/main" spd="slow" p14:dur="2000">
         <p159:morph option="byObject"/>
       </p:transition>
     </mc:Choice>
-    <mc:Fallback>
+    <mc:Fallback xmlns="">
       <p:transition spd="slow">
         <p:fade/>
       </p:transition>
@@ -7741,7 +7817,7 @@
           <a:p>
             <a:fld id="{27D62342-E093-4B2E-9F3F-8A364646BFDE}" type="datetime1">
               <a:rPr lang="de-AT" smtClean="0"/>
-              <a:t>26.09.2024</a:t>
+              <a:t>27.09.2024</a:t>
             </a:fld>
             <a:endParaRPr lang="de-AT"/>
           </a:p>
@@ -7814,13 +7890,13 @@
   <p:clrMapOvr>
     <a:masterClrMapping/>
   </p:clrMapOvr>
-  <mc:AlternateContent xmlns:mc="http://schemas.openxmlformats.org/markup-compatibility/2006">
-    <mc:Choice xmlns:p159="http://schemas.microsoft.com/office/powerpoint/2015/09/main" Requires="p159">
+  <mc:AlternateContent xmlns:mc="http://schemas.openxmlformats.org/markup-compatibility/2006" xmlns:p159="http://schemas.microsoft.com/office/powerpoint/2015/09/main">
+    <mc:Choice Requires="p159">
       <p:transition xmlns:p14="http://schemas.microsoft.com/office/powerpoint/2010/main" spd="slow" p14:dur="2000">
         <p159:morph option="byObject"/>
       </p:transition>
     </mc:Choice>
-    <mc:Fallback>
+    <mc:Fallback xmlns="">
       <p:transition spd="slow">
         <p:fade/>
       </p:transition>
@@ -7966,7 +8042,7 @@
           <a:p>
             <a:fld id="{67DABD7D-0594-4B9C-9A5E-6C3D82D623F0}" type="datetime1">
               <a:rPr lang="de-AT" smtClean="0"/>
-              <a:t>26.09.2024</a:t>
+              <a:t>27.09.2024</a:t>
             </a:fld>
             <a:endParaRPr lang="de-AT"/>
           </a:p>
@@ -8039,13 +8115,13 @@
   <p:clrMapOvr>
     <a:masterClrMapping/>
   </p:clrMapOvr>
-  <mc:AlternateContent xmlns:mc="http://schemas.openxmlformats.org/markup-compatibility/2006">
-    <mc:Choice xmlns:p159="http://schemas.microsoft.com/office/powerpoint/2015/09/main" Requires="p159">
+  <mc:AlternateContent xmlns:mc="http://schemas.openxmlformats.org/markup-compatibility/2006" xmlns:p159="http://schemas.microsoft.com/office/powerpoint/2015/09/main">
+    <mc:Choice Requires="p159">
       <p:transition xmlns:p14="http://schemas.microsoft.com/office/powerpoint/2010/main" spd="slow" p14:dur="2000">
         <p159:morph option="byObject"/>
       </p:transition>
     </mc:Choice>
-    <mc:Fallback>
+    <mc:Fallback xmlns="">
       <p:transition spd="slow">
         <p:fade/>
       </p:transition>
@@ -8181,7 +8257,7 @@
           <a:p>
             <a:fld id="{1C78C3BD-CE51-4E26-A991-54B8C23BFC72}" type="datetime1">
               <a:rPr lang="de-AT" smtClean="0"/>
-              <a:t>26.09.2024</a:t>
+              <a:t>27.09.2024</a:t>
             </a:fld>
             <a:endParaRPr lang="de-AT"/>
           </a:p>
@@ -8254,13 +8330,13 @@
   <p:clrMapOvr>
     <a:masterClrMapping/>
   </p:clrMapOvr>
-  <mc:AlternateContent xmlns:mc="http://schemas.openxmlformats.org/markup-compatibility/2006">
-    <mc:Choice xmlns:p159="http://schemas.microsoft.com/office/powerpoint/2015/09/main" Requires="p159">
+  <mc:AlternateContent xmlns:mc="http://schemas.openxmlformats.org/markup-compatibility/2006" xmlns:p159="http://schemas.microsoft.com/office/powerpoint/2015/09/main">
+    <mc:Choice Requires="p159">
       <p:transition xmlns:p14="http://schemas.microsoft.com/office/powerpoint/2010/main" spd="slow" p14:dur="2000">
         <p159:morph option="byObject"/>
       </p:transition>
     </mc:Choice>
-    <mc:Fallback>
+    <mc:Fallback xmlns="">
       <p:transition spd="slow">
         <p:fade/>
       </p:transition>
@@ -8472,7 +8548,7 @@
           <a:p>
             <a:fld id="{758822A4-97C9-4950-8458-4F76AD27C8FD}" type="datetime1">
               <a:rPr lang="de-AT" smtClean="0"/>
-              <a:t>26.09.2024</a:t>
+              <a:t>27.09.2024</a:t>
             </a:fld>
             <a:endParaRPr lang="de-AT"/>
           </a:p>
@@ -8545,13 +8621,13 @@
   <p:clrMapOvr>
     <a:masterClrMapping/>
   </p:clrMapOvr>
-  <mc:AlternateContent xmlns:mc="http://schemas.openxmlformats.org/markup-compatibility/2006">
-    <mc:Choice xmlns:p159="http://schemas.microsoft.com/office/powerpoint/2015/09/main" Requires="p159">
+  <mc:AlternateContent xmlns:mc="http://schemas.openxmlformats.org/markup-compatibility/2006" xmlns:p159="http://schemas.microsoft.com/office/powerpoint/2015/09/main">
+    <mc:Choice Requires="p159">
       <p:transition xmlns:p14="http://schemas.microsoft.com/office/powerpoint/2010/main" spd="slow" p14:dur="2000">
         <p159:morph option="byObject"/>
       </p:transition>
     </mc:Choice>
-    <mc:Fallback>
+    <mc:Fallback xmlns="">
       <p:transition spd="slow">
         <p:fade/>
       </p:transition>
@@ -8755,7 +8831,7 @@
           <a:p>
             <a:fld id="{E6A48068-BF80-46E4-936A-05DA87FD653B}" type="datetime1">
               <a:rPr lang="de-AT" smtClean="0"/>
-              <a:t>26.09.2024</a:t>
+              <a:t>27.09.2024</a:t>
             </a:fld>
             <a:endParaRPr lang="de-AT"/>
           </a:p>
@@ -8828,13 +8904,13 @@
   <p:clrMapOvr>
     <a:masterClrMapping/>
   </p:clrMapOvr>
-  <mc:AlternateContent xmlns:mc="http://schemas.openxmlformats.org/markup-compatibility/2006">
-    <mc:Choice xmlns:p159="http://schemas.microsoft.com/office/powerpoint/2015/09/main" Requires="p159">
+  <mc:AlternateContent xmlns:mc="http://schemas.openxmlformats.org/markup-compatibility/2006" xmlns:p159="http://schemas.microsoft.com/office/powerpoint/2015/09/main">
+    <mc:Choice Requires="p159">
       <p:transition xmlns:p14="http://schemas.microsoft.com/office/powerpoint/2010/main" spd="slow" p14:dur="2000">
         <p159:morph option="byObject"/>
       </p:transition>
     </mc:Choice>
-    <mc:Fallback>
+    <mc:Fallback xmlns="">
       <p:transition spd="slow">
         <p:fade/>
       </p:transition>
@@ -9185,7 +9261,7 @@
           <a:p>
             <a:fld id="{ACAE1A48-2F94-4000-B3D1-4E4869914DF4}" type="datetime1">
               <a:rPr lang="de-AT" smtClean="0"/>
-              <a:t>26.09.2024</a:t>
+              <a:t>27.09.2024</a:t>
             </a:fld>
             <a:endParaRPr lang="de-AT"/>
           </a:p>
@@ -9258,13 +9334,13 @@
   <p:clrMapOvr>
     <a:masterClrMapping/>
   </p:clrMapOvr>
-  <mc:AlternateContent xmlns:mc="http://schemas.openxmlformats.org/markup-compatibility/2006">
-    <mc:Choice xmlns:p159="http://schemas.microsoft.com/office/powerpoint/2015/09/main" Requires="p159">
+  <mc:AlternateContent xmlns:mc="http://schemas.openxmlformats.org/markup-compatibility/2006" xmlns:p159="http://schemas.microsoft.com/office/powerpoint/2015/09/main">
+    <mc:Choice Requires="p159">
       <p:transition xmlns:p14="http://schemas.microsoft.com/office/powerpoint/2010/main" spd="slow" p14:dur="2000">
         <p159:morph option="byObject"/>
       </p:transition>
     </mc:Choice>
-    <mc:Fallback>
+    <mc:Fallback xmlns="">
       <p:transition spd="slow">
         <p:fade/>
       </p:transition>
@@ -9342,7 +9418,7 @@
           <a:p>
             <a:fld id="{87C25A8D-EC9F-4689-B150-FE73B37234C4}" type="datetime1">
               <a:rPr lang="de-AT" smtClean="0"/>
-              <a:t>26.09.2024</a:t>
+              <a:t>27.09.2024</a:t>
             </a:fld>
             <a:endParaRPr lang="de-AT"/>
           </a:p>
@@ -9415,13 +9491,13 @@
   <p:clrMapOvr>
     <a:masterClrMapping/>
   </p:clrMapOvr>
-  <mc:AlternateContent xmlns:mc="http://schemas.openxmlformats.org/markup-compatibility/2006">
-    <mc:Choice xmlns:p159="http://schemas.microsoft.com/office/powerpoint/2015/09/main" Requires="p159">
+  <mc:AlternateContent xmlns:mc="http://schemas.openxmlformats.org/markup-compatibility/2006" xmlns:p159="http://schemas.microsoft.com/office/powerpoint/2015/09/main">
+    <mc:Choice Requires="p159">
       <p:transition xmlns:p14="http://schemas.microsoft.com/office/powerpoint/2010/main" spd="slow" p14:dur="2000">
         <p159:morph option="byObject"/>
       </p:transition>
     </mc:Choice>
-    <mc:Fallback>
+    <mc:Fallback xmlns="">
       <p:transition spd="slow">
         <p:fade/>
       </p:transition>
@@ -9470,7 +9546,7 @@
           <a:p>
             <a:fld id="{B1AE2055-DBA4-474A-968F-A4DFB272465D}" type="datetime1">
               <a:rPr lang="de-AT" smtClean="0"/>
-              <a:t>26.09.2024</a:t>
+              <a:t>27.09.2024</a:t>
             </a:fld>
             <a:endParaRPr lang="de-AT"/>
           </a:p>
@@ -9543,13 +9619,13 @@
   <p:clrMapOvr>
     <a:masterClrMapping/>
   </p:clrMapOvr>
-  <mc:AlternateContent xmlns:mc="http://schemas.openxmlformats.org/markup-compatibility/2006">
-    <mc:Choice xmlns:p159="http://schemas.microsoft.com/office/powerpoint/2015/09/main" Requires="p159">
+  <mc:AlternateContent xmlns:mc="http://schemas.openxmlformats.org/markup-compatibility/2006" xmlns:p159="http://schemas.microsoft.com/office/powerpoint/2015/09/main">
+    <mc:Choice Requires="p159">
       <p:transition xmlns:p14="http://schemas.microsoft.com/office/powerpoint/2010/main" spd="slow" p14:dur="2000">
         <p159:morph option="byObject"/>
       </p:transition>
     </mc:Choice>
-    <mc:Fallback>
+    <mc:Fallback xmlns="">
       <p:transition spd="slow">
         <p:fade/>
       </p:transition>
@@ -9798,7 +9874,7 @@
           <a:p>
             <a:fld id="{8DC5B211-6048-47A2-A525-F64FB2D429D7}" type="datetime1">
               <a:rPr lang="de-AT" smtClean="0"/>
-              <a:t>26.09.2024</a:t>
+              <a:t>27.09.2024</a:t>
             </a:fld>
             <a:endParaRPr lang="de-AT"/>
           </a:p>
@@ -9871,13 +9947,13 @@
   <p:clrMapOvr>
     <a:masterClrMapping/>
   </p:clrMapOvr>
-  <mc:AlternateContent xmlns:mc="http://schemas.openxmlformats.org/markup-compatibility/2006">
-    <mc:Choice xmlns:p159="http://schemas.microsoft.com/office/powerpoint/2015/09/main" Requires="p159">
+  <mc:AlternateContent xmlns:mc="http://schemas.openxmlformats.org/markup-compatibility/2006" xmlns:p159="http://schemas.microsoft.com/office/powerpoint/2015/09/main">
+    <mc:Choice Requires="p159">
       <p:transition xmlns:p14="http://schemas.microsoft.com/office/powerpoint/2010/main" spd="slow" p14:dur="2000">
         <p159:morph option="byObject"/>
       </p:transition>
     </mc:Choice>
-    <mc:Fallback>
+    <mc:Fallback xmlns="">
       <p:transition spd="slow">
         <p:fade/>
       </p:transition>
@@ -10102,7 +10178,7 @@
           <a:p>
             <a:fld id="{821490B6-721D-47C3-AAA3-5E4D1E8E2ADD}" type="datetime1">
               <a:rPr lang="de-AT" smtClean="0"/>
-              <a:t>26.09.2024</a:t>
+              <a:t>27.09.2024</a:t>
             </a:fld>
             <a:endParaRPr lang="de-AT"/>
           </a:p>
@@ -10175,13 +10251,13 @@
   <p:clrMapOvr>
     <a:masterClrMapping/>
   </p:clrMapOvr>
-  <mc:AlternateContent xmlns:mc="http://schemas.openxmlformats.org/markup-compatibility/2006">
-    <mc:Choice xmlns:p159="http://schemas.microsoft.com/office/powerpoint/2015/09/main" Requires="p159">
+  <mc:AlternateContent xmlns:mc="http://schemas.openxmlformats.org/markup-compatibility/2006" xmlns:p159="http://schemas.microsoft.com/office/powerpoint/2015/09/main">
+    <mc:Choice Requires="p159">
       <p:transition xmlns:p14="http://schemas.microsoft.com/office/powerpoint/2010/main" spd="slow" p14:dur="2000">
         <p159:morph option="byObject"/>
       </p:transition>
     </mc:Choice>
-    <mc:Fallback>
+    <mc:Fallback xmlns="">
       <p:transition spd="slow">
         <p:fade/>
       </p:transition>
@@ -10360,7 +10436,7 @@
           <a:p>
             <a:fld id="{95C4B4C5-632A-4A31-8A93-A1E8AAE96077}" type="datetime1">
               <a:rPr lang="de-AT" smtClean="0"/>
-              <a:t>26.09.2024</a:t>
+              <a:t>27.09.2024</a:t>
             </a:fld>
             <a:endParaRPr lang="de-AT"/>
           </a:p>
@@ -10480,13 +10556,13 @@
     <p:sldLayoutId id="2147483658" r:id="rId10"/>
     <p:sldLayoutId id="2147483659" r:id="rId11"/>
   </p:sldLayoutIdLst>
-  <mc:AlternateContent xmlns:mc="http://schemas.openxmlformats.org/markup-compatibility/2006">
-    <mc:Choice xmlns:p159="http://schemas.microsoft.com/office/powerpoint/2015/09/main" Requires="p159">
+  <mc:AlternateContent xmlns:mc="http://schemas.openxmlformats.org/markup-compatibility/2006" xmlns:p159="http://schemas.microsoft.com/office/powerpoint/2015/09/main">
+    <mc:Choice Requires="p159">
       <p:transition xmlns:p14="http://schemas.microsoft.com/office/powerpoint/2010/main" spd="slow" p14:dur="2000">
         <p159:morph option="byObject"/>
       </p:transition>
     </mc:Choice>
-    <mc:Fallback>
+    <mc:Fallback xmlns="">
       <p:transition spd="slow">
         <p:fade/>
       </p:transition>
@@ -10876,7 +10952,7 @@
           <p:nvPr/>
         </p:nvPicPr>
         <p:blipFill>
-          <a:blip r:embed="rId2">
+          <a:blip r:embed="rId3">
             <a:extLst>
               <a:ext uri="{28A0092B-C50C-407E-A947-70E740481C1C}">
                 <a14:useLocalDpi xmlns:a14="http://schemas.microsoft.com/office/drawing/2010/main" val="0"/>
@@ -13242,13 +13318,13 @@
   <p:clrMapOvr>
     <a:masterClrMapping/>
   </p:clrMapOvr>
-  <mc:AlternateContent xmlns:mc="http://schemas.openxmlformats.org/markup-compatibility/2006">
-    <mc:Choice xmlns:p159="http://schemas.microsoft.com/office/powerpoint/2015/09/main" Requires="p159">
+  <mc:AlternateContent xmlns:mc="http://schemas.openxmlformats.org/markup-compatibility/2006" xmlns:p159="http://schemas.microsoft.com/office/powerpoint/2015/09/main">
+    <mc:Choice Requires="p159">
       <p:transition xmlns:p14="http://schemas.microsoft.com/office/powerpoint/2010/main" spd="slow" p14:dur="2000">
         <p159:morph option="byObject"/>
       </p:transition>
     </mc:Choice>
-    <mc:Fallback>
+    <mc:Fallback xmlns="">
       <p:transition spd="slow">
         <p:fade/>
       </p:transition>
@@ -13548,13 +13624,13 @@
   <p:clrMapOvr>
     <a:masterClrMapping/>
   </p:clrMapOvr>
-  <mc:AlternateContent xmlns:mc="http://schemas.openxmlformats.org/markup-compatibility/2006">
-    <mc:Choice xmlns:p159="http://schemas.microsoft.com/office/powerpoint/2015/09/main" Requires="p159">
+  <mc:AlternateContent xmlns:mc="http://schemas.openxmlformats.org/markup-compatibility/2006" xmlns:p159="http://schemas.microsoft.com/office/powerpoint/2015/09/main">
+    <mc:Choice Requires="p159">
       <p:transition xmlns:p14="http://schemas.microsoft.com/office/powerpoint/2010/main" spd="slow" p14:dur="2000">
         <p159:morph option="byObject"/>
       </p:transition>
     </mc:Choice>
-    <mc:Fallback>
+    <mc:Fallback xmlns="">
       <p:transition spd="slow">
         <p:fade/>
       </p:transition>
@@ -14423,13 +14499,13 @@
   <p:clrMapOvr>
     <a:masterClrMapping/>
   </p:clrMapOvr>
-  <mc:AlternateContent xmlns:mc="http://schemas.openxmlformats.org/markup-compatibility/2006">
-    <mc:Choice xmlns:p159="http://schemas.microsoft.com/office/powerpoint/2015/09/main" Requires="p159">
+  <mc:AlternateContent xmlns:mc="http://schemas.openxmlformats.org/markup-compatibility/2006" xmlns:p159="http://schemas.microsoft.com/office/powerpoint/2015/09/main">
+    <mc:Choice Requires="p159">
       <p:transition xmlns:p14="http://schemas.microsoft.com/office/powerpoint/2010/main" spd="slow" p14:dur="2000">
         <p159:morph option="byObject"/>
       </p:transition>
     </mc:Choice>
-    <mc:Fallback>
+    <mc:Fallback xmlns="">
       <p:transition spd="slow">
         <p:fade/>
       </p:transition>
@@ -15135,13 +15211,13 @@
   <p:clrMapOvr>
     <a:masterClrMapping/>
   </p:clrMapOvr>
-  <mc:AlternateContent xmlns:mc="http://schemas.openxmlformats.org/markup-compatibility/2006">
-    <mc:Choice xmlns:p159="http://schemas.microsoft.com/office/powerpoint/2015/09/main" Requires="p159">
+  <mc:AlternateContent xmlns:mc="http://schemas.openxmlformats.org/markup-compatibility/2006" xmlns:p159="http://schemas.microsoft.com/office/powerpoint/2015/09/main">
+    <mc:Choice Requires="p159">
       <p:transition xmlns:p14="http://schemas.microsoft.com/office/powerpoint/2010/main" spd="slow" p14:dur="2000">
         <p159:morph option="byObject"/>
       </p:transition>
     </mc:Choice>
-    <mc:Fallback>
+    <mc:Fallback xmlns="">
       <p:transition spd="slow">
         <p:fade/>
       </p:transition>
@@ -15498,117 +15574,77 @@
           <a:lstStyle/>
           <a:p>
             <a:r>
-              <a:rPr lang="de-AT"/>
+              <a:rPr lang="de-AT" dirty="0"/>
               <a:t>Was ist die „Chain </a:t>
             </a:r>
             <a:r>
-              <a:rPr lang="de-AT" err="1"/>
+              <a:rPr lang="de-AT" dirty="0" err="1"/>
               <a:t>of</a:t>
             </a:r>
             <a:r>
-              <a:rPr lang="de-AT"/>
+              <a:rPr lang="de-AT" dirty="0"/>
               <a:t> </a:t>
             </a:r>
             <a:r>
-              <a:rPr lang="de-AT" err="1"/>
+              <a:rPr lang="de-AT" dirty="0" err="1"/>
               <a:t>Responsibility</a:t>
             </a:r>
             <a:r>
-              <a:rPr lang="de-AT"/>
+              <a:rPr lang="de-AT" dirty="0"/>
               <a:t>“?</a:t>
             </a:r>
           </a:p>
           <a:p>
             <a:r>
-              <a:rPr lang="de-AT"/>
+              <a:rPr lang="de-AT" dirty="0"/>
               <a:t>Problem</a:t>
             </a:r>
           </a:p>
           <a:p>
             <a:r>
-              <a:rPr lang="de-AT"/>
+              <a:rPr lang="de-AT" dirty="0"/>
               <a:t>Lösung</a:t>
             </a:r>
           </a:p>
           <a:p>
             <a:r>
-              <a:rPr lang="de-AT"/>
-              <a:t>Beispiel aus dem echten Leben</a:t>
+              <a:rPr lang="de-AT" dirty="0"/>
+              <a:t>Beispiel</a:t>
             </a:r>
           </a:p>
           <a:p>
             <a:r>
-              <a:rPr lang="de-AT"/>
+              <a:rPr lang="de-AT" dirty="0"/>
               <a:t>Struktur</a:t>
             </a:r>
           </a:p>
           <a:p>
             <a:r>
-              <a:rPr lang="de-AT"/>
+              <a:rPr lang="de-AT" dirty="0"/>
               <a:t>Anwendbarkeit</a:t>
             </a:r>
           </a:p>
           <a:p>
             <a:r>
-              <a:rPr lang="de-AT"/>
+              <a:rPr lang="de-AT" dirty="0"/>
               <a:t>Pros &amp; </a:t>
             </a:r>
             <a:r>
-              <a:rPr lang="de-AT" err="1"/>
+              <a:rPr lang="de-AT" dirty="0" err="1"/>
               <a:t>Cons</a:t>
             </a:r>
-            <a:endParaRPr lang="de-AT"/>
+            <a:endParaRPr lang="de-AT" dirty="0"/>
           </a:p>
           <a:p>
             <a:r>
-              <a:rPr lang="de-AT"/>
+              <a:rPr lang="de-AT" dirty="0"/>
               <a:t>Relationen mit anderen Design Patterns</a:t>
             </a:r>
           </a:p>
           <a:p>
             <a:r>
-              <a:rPr lang="de-AT"/>
+              <a:rPr lang="de-AT" dirty="0"/>
               <a:t>Code</a:t>
-            </a:r>
-          </a:p>
-        </p:txBody>
-      </p:sp>
-      <p:sp>
-        <p:nvSpPr>
-          <p:cNvPr id="4" name="Fußzeilenplatzhalter 3">
-            <a:extLst>
-              <a:ext uri="{FF2B5EF4-FFF2-40B4-BE49-F238E27FC236}">
-                <a16:creationId xmlns:a16="http://schemas.microsoft.com/office/drawing/2014/main" id="{FE9EBB22-77F9-F923-001C-13737A6E5C40}"/>
-              </a:ext>
-            </a:extLst>
-          </p:cNvPr>
-          <p:cNvSpPr>
-            <a:spLocks noGrp="1"/>
-          </p:cNvSpPr>
-          <p:nvPr>
-            <p:ph type="ftr" sz="quarter" idx="11"/>
-          </p:nvPr>
-        </p:nvSpPr>
-        <p:spPr>
-          <a:xfrm>
-            <a:off x="4038600" y="6356350"/>
-            <a:ext cx="5251174" cy="365125"/>
-          </a:xfrm>
-        </p:spPr>
-        <p:txBody>
-          <a:bodyPr>
-            <a:normAutofit/>
-          </a:bodyPr>
-          <a:lstStyle/>
-          <a:p>
-            <a:pPr>
-              <a:spcAft>
-                <a:spcPts val="600"/>
-              </a:spcAft>
-            </a:pPr>
-            <a:r>
-              <a:rPr lang="de-AT"/>
-              <a:t>Eric &amp; Marko</a:t>
             </a:r>
           </a:p>
         </p:txBody>
@@ -15659,6 +15695,137 @@
           </a:p>
         </p:txBody>
       </p:sp>
+      <p:sp>
+        <p:nvSpPr>
+          <p:cNvPr id="6" name="Fußzeilenplatzhalter 3">
+            <a:extLst>
+              <a:ext uri="{FF2B5EF4-FFF2-40B4-BE49-F238E27FC236}">
+                <a16:creationId xmlns:a16="http://schemas.microsoft.com/office/drawing/2014/main" id="{6F2452F9-09F8-F830-F028-A809508B242F}"/>
+              </a:ext>
+            </a:extLst>
+          </p:cNvPr>
+          <p:cNvSpPr txBox="1">
+            <a:spLocks/>
+          </p:cNvSpPr>
+          <p:nvPr/>
+        </p:nvSpPr>
+        <p:spPr>
+          <a:xfrm>
+            <a:off x="4038600" y="6356350"/>
+            <a:ext cx="4114800" cy="365125"/>
+          </a:xfrm>
+          <a:prstGeom prst="rect">
+            <a:avLst/>
+          </a:prstGeom>
+        </p:spPr>
+        <p:txBody>
+          <a:bodyPr vert="horz" lIns="91440" tIns="45720" rIns="91440" bIns="45720" rtlCol="0" anchor="ctr"/>
+          <a:lstStyle>
+            <a:defPPr>
+              <a:defRPr lang="de-DE"/>
+            </a:defPPr>
+            <a:lvl1pPr marL="0" algn="ctr" defTabSz="914400" rtl="0" eaLnBrk="1" latinLnBrk="0" hangingPunct="1">
+              <a:defRPr sz="1200" kern="1200">
+                <a:solidFill>
+                  <a:schemeClr val="tx1">
+                    <a:tint val="82000"/>
+                  </a:schemeClr>
+                </a:solidFill>
+                <a:latin typeface="+mn-lt"/>
+                <a:ea typeface="+mn-ea"/>
+                <a:cs typeface="+mn-cs"/>
+              </a:defRPr>
+            </a:lvl1pPr>
+            <a:lvl2pPr marL="457200" algn="l" defTabSz="914400" rtl="0" eaLnBrk="1" latinLnBrk="0" hangingPunct="1">
+              <a:defRPr sz="1800" kern="1200">
+                <a:solidFill>
+                  <a:schemeClr val="tx1"/>
+                </a:solidFill>
+                <a:latin typeface="+mn-lt"/>
+                <a:ea typeface="+mn-ea"/>
+                <a:cs typeface="+mn-cs"/>
+              </a:defRPr>
+            </a:lvl2pPr>
+            <a:lvl3pPr marL="914400" algn="l" defTabSz="914400" rtl="0" eaLnBrk="1" latinLnBrk="0" hangingPunct="1">
+              <a:defRPr sz="1800" kern="1200">
+                <a:solidFill>
+                  <a:schemeClr val="tx1"/>
+                </a:solidFill>
+                <a:latin typeface="+mn-lt"/>
+                <a:ea typeface="+mn-ea"/>
+                <a:cs typeface="+mn-cs"/>
+              </a:defRPr>
+            </a:lvl3pPr>
+            <a:lvl4pPr marL="1371600" algn="l" defTabSz="914400" rtl="0" eaLnBrk="1" latinLnBrk="0" hangingPunct="1">
+              <a:defRPr sz="1800" kern="1200">
+                <a:solidFill>
+                  <a:schemeClr val="tx1"/>
+                </a:solidFill>
+                <a:latin typeface="+mn-lt"/>
+                <a:ea typeface="+mn-ea"/>
+                <a:cs typeface="+mn-cs"/>
+              </a:defRPr>
+            </a:lvl4pPr>
+            <a:lvl5pPr marL="1828800" algn="l" defTabSz="914400" rtl="0" eaLnBrk="1" latinLnBrk="0" hangingPunct="1">
+              <a:defRPr sz="1800" kern="1200">
+                <a:solidFill>
+                  <a:schemeClr val="tx1"/>
+                </a:solidFill>
+                <a:latin typeface="+mn-lt"/>
+                <a:ea typeface="+mn-ea"/>
+                <a:cs typeface="+mn-cs"/>
+              </a:defRPr>
+            </a:lvl5pPr>
+            <a:lvl6pPr marL="2286000" algn="l" defTabSz="914400" rtl="0" eaLnBrk="1" latinLnBrk="0" hangingPunct="1">
+              <a:defRPr sz="1800" kern="1200">
+                <a:solidFill>
+                  <a:schemeClr val="tx1"/>
+                </a:solidFill>
+                <a:latin typeface="+mn-lt"/>
+                <a:ea typeface="+mn-ea"/>
+                <a:cs typeface="+mn-cs"/>
+              </a:defRPr>
+            </a:lvl6pPr>
+            <a:lvl7pPr marL="2743200" algn="l" defTabSz="914400" rtl="0" eaLnBrk="1" latinLnBrk="0" hangingPunct="1">
+              <a:defRPr sz="1800" kern="1200">
+                <a:solidFill>
+                  <a:schemeClr val="tx1"/>
+                </a:solidFill>
+                <a:latin typeface="+mn-lt"/>
+                <a:ea typeface="+mn-ea"/>
+                <a:cs typeface="+mn-cs"/>
+              </a:defRPr>
+            </a:lvl7pPr>
+            <a:lvl8pPr marL="3200400" algn="l" defTabSz="914400" rtl="0" eaLnBrk="1" latinLnBrk="0" hangingPunct="1">
+              <a:defRPr sz="1800" kern="1200">
+                <a:solidFill>
+                  <a:schemeClr val="tx1"/>
+                </a:solidFill>
+                <a:latin typeface="+mn-lt"/>
+                <a:ea typeface="+mn-ea"/>
+                <a:cs typeface="+mn-cs"/>
+              </a:defRPr>
+            </a:lvl8pPr>
+            <a:lvl9pPr marL="3657600" algn="l" defTabSz="914400" rtl="0" eaLnBrk="1" latinLnBrk="0" hangingPunct="1">
+              <a:defRPr sz="1800" kern="1200">
+                <a:solidFill>
+                  <a:schemeClr val="tx1"/>
+                </a:solidFill>
+                <a:latin typeface="+mn-lt"/>
+                <a:ea typeface="+mn-ea"/>
+                <a:cs typeface="+mn-cs"/>
+              </a:defRPr>
+            </a:lvl9pPr>
+          </a:lstStyle>
+          <a:p>
+            <a:r>
+              <a:rPr lang="de-AT"/>
+              <a:t>Eric &amp; Marko</a:t>
+            </a:r>
+            <a:endParaRPr lang="de-AT" dirty="0"/>
+          </a:p>
+        </p:txBody>
+      </p:sp>
     </p:spTree>
     <p:extLst>
       <p:ext uri="{BB962C8B-B14F-4D97-AF65-F5344CB8AC3E}">
@@ -15669,13 +15836,13 @@
   <p:clrMapOvr>
     <a:masterClrMapping/>
   </p:clrMapOvr>
-  <mc:AlternateContent xmlns:mc="http://schemas.openxmlformats.org/markup-compatibility/2006">
-    <mc:Choice xmlns:p159="http://schemas.microsoft.com/office/powerpoint/2015/09/main" Requires="p159">
+  <mc:AlternateContent xmlns:mc="http://schemas.openxmlformats.org/markup-compatibility/2006" xmlns:p159="http://schemas.microsoft.com/office/powerpoint/2015/09/main">
+    <mc:Choice Requires="p159">
       <p:transition xmlns:p14="http://schemas.microsoft.com/office/powerpoint/2010/main" spd="slow" p14:dur="2000">
         <p159:morph option="byObject"/>
       </p:transition>
     </mc:Choice>
-    <mc:Fallback>
+    <mc:Fallback xmlns="">
       <p:transition spd="slow">
         <p:fade/>
       </p:transition>
@@ -15976,6 +16143,12 @@
           </a:p>
           <a:p>
             <a:r>
+              <a:rPr lang="de-AT" sz="2000" dirty="0"/>
+              <a:t>Algorithmen &amp; Verantwortlichkeit zwischen Objekten</a:t>
+            </a:r>
+          </a:p>
+          <a:p>
+            <a:r>
               <a:rPr lang="de-AT" sz="2000" dirty="0" err="1"/>
               <a:t>Requests</a:t>
             </a:r>
@@ -16011,14 +16184,21 @@
             <a:pPr lvl="1"/>
             <a:r>
               <a:rPr lang="de-AT" sz="1800" dirty="0"/>
-              <a:t>Request zum nächsten Handler senden</a:t>
+              <a:t>Request bearbeiten</a:t>
             </a:r>
           </a:p>
           <a:p>
             <a:pPr lvl="1"/>
             <a:r>
               <a:rPr lang="de-AT" sz="1800" dirty="0"/>
-              <a:t>Request bearbeiten</a:t>
+              <a:t>Request zum nächsten Handler senden</a:t>
+            </a:r>
+          </a:p>
+          <a:p>
+            <a:pPr lvl="1"/>
+            <a:r>
+              <a:rPr lang="de-AT" sz="1800" dirty="0"/>
+              <a:t>Weitergabe abbrechen</a:t>
             </a:r>
           </a:p>
         </p:txBody>
@@ -16091,7 +16271,7 @@
           <a:lstStyle/>
           <a:p>
             <a:r>
-              <a:rPr lang="de-AT"/>
+              <a:rPr lang="de-AT" dirty="0"/>
               <a:t>Eric &amp; Marko</a:t>
             </a:r>
           </a:p>
@@ -16136,13 +16316,13 @@
   <p:clrMapOvr>
     <a:masterClrMapping/>
   </p:clrMapOvr>
-  <mc:AlternateContent xmlns:mc="http://schemas.openxmlformats.org/markup-compatibility/2006">
-    <mc:Choice xmlns:p159="http://schemas.microsoft.com/office/powerpoint/2015/09/main" Requires="p159">
+  <mc:AlternateContent xmlns:mc="http://schemas.openxmlformats.org/markup-compatibility/2006" xmlns:p159="http://schemas.microsoft.com/office/powerpoint/2015/09/main">
+    <mc:Choice Requires="p159">
       <p:transition xmlns:p14="http://schemas.microsoft.com/office/powerpoint/2010/main" spd="slow" p14:dur="2000">
         <p159:morph option="byObject"/>
       </p:transition>
     </mc:Choice>
-    <mc:Fallback>
+    <mc:Fallback xmlns="">
       <p:transition spd="slow">
         <p:fade/>
       </p:transition>
@@ -16364,9 +16544,10 @@
           <a:lstStyle/>
           <a:p>
             <a:r>
-              <a:rPr lang="de-AT" sz="3200" dirty="0"/>
+              <a:rPr lang="de-AT" sz="4000" dirty="0"/>
               <a:t>Probleme</a:t>
             </a:r>
+            <a:endParaRPr lang="de-AT" sz="3200" dirty="0"/>
           </a:p>
         </p:txBody>
       </p:sp>
@@ -16711,13 +16892,13 @@
   <p:clrMapOvr>
     <a:masterClrMapping/>
   </p:clrMapOvr>
-  <mc:AlternateContent xmlns:mc="http://schemas.openxmlformats.org/markup-compatibility/2006">
-    <mc:Choice xmlns:p159="http://schemas.microsoft.com/office/powerpoint/2015/09/main" Requires="p159">
+  <mc:AlternateContent xmlns:mc="http://schemas.openxmlformats.org/markup-compatibility/2006" xmlns:p159="http://schemas.microsoft.com/office/powerpoint/2015/09/main">
+    <mc:Choice Requires="p159">
       <p:transition xmlns:p14="http://schemas.microsoft.com/office/powerpoint/2010/main" spd="slow" p14:dur="2000">
         <p159:morph option="byObject"/>
       </p:transition>
     </mc:Choice>
-    <mc:Fallback>
+    <mc:Fallback xmlns="">
       <p:transition spd="slow">
         <p:fade/>
       </p:transition>
@@ -16840,10 +17021,10 @@
           <a:lstStyle/>
           <a:p>
             <a:r>
-              <a:rPr lang="de-DE" sz="5400"/>
+              <a:rPr lang="de-DE" sz="4800" dirty="0"/>
               <a:t>Probleme</a:t>
             </a:r>
-            <a:endParaRPr lang="de-AT" sz="5400"/>
+            <a:endParaRPr lang="de-AT" sz="5400" dirty="0"/>
           </a:p>
         </p:txBody>
       </p:sp>
@@ -17315,13 +17496,13 @@
   <p:clrMapOvr>
     <a:masterClrMapping/>
   </p:clrMapOvr>
-  <mc:AlternateContent xmlns:mc="http://schemas.openxmlformats.org/markup-compatibility/2006">
-    <mc:Choice xmlns:p159="http://schemas.microsoft.com/office/powerpoint/2015/09/main" Requires="p159">
+  <mc:AlternateContent xmlns:mc="http://schemas.openxmlformats.org/markup-compatibility/2006" xmlns:p159="http://schemas.microsoft.com/office/powerpoint/2015/09/main">
+    <mc:Choice Requires="p159">
       <p:transition xmlns:p14="http://schemas.microsoft.com/office/powerpoint/2010/main" spd="slow" p14:dur="2000">
         <p159:morph option="byObject"/>
       </p:transition>
     </mc:Choice>
-    <mc:Fallback>
+    <mc:Fallback xmlns="">
       <p:transition spd="slow">
         <p:fade/>
       </p:transition>
@@ -17884,13 +18065,13 @@
   <p:clrMapOvr>
     <a:masterClrMapping/>
   </p:clrMapOvr>
-  <mc:AlternateContent xmlns:mc="http://schemas.openxmlformats.org/markup-compatibility/2006">
-    <mc:Choice xmlns:p159="http://schemas.microsoft.com/office/powerpoint/2015/09/main" Requires="p159">
+  <mc:AlternateContent xmlns:mc="http://schemas.openxmlformats.org/markup-compatibility/2006" xmlns:p159="http://schemas.microsoft.com/office/powerpoint/2015/09/main">
+    <mc:Choice Requires="p159">
       <p:transition xmlns:p14="http://schemas.microsoft.com/office/powerpoint/2010/main" spd="slow" p14:dur="2000">
         <p159:morph option="byObject"/>
       </p:transition>
     </mc:Choice>
-    <mc:Fallback>
+    <mc:Fallback xmlns="">
       <p:transition spd="slow">
         <p:fade/>
       </p:transition>
@@ -18024,61 +18205,14 @@
               </a:rPr>
               <a:t>Beispiel</a:t>
             </a:r>
-            <a:r>
-              <a:rPr lang="en-US" sz="6000" kern="1200" dirty="0">
-                <a:solidFill>
-                  <a:schemeClr val="tx1"/>
-                </a:solidFill>
-                <a:latin typeface="+mj-lt"/>
-                <a:ea typeface="+mj-ea"/>
-                <a:cs typeface="+mj-cs"/>
-              </a:rPr>
-              <a:t> </a:t>
-            </a:r>
-            <a:r>
-              <a:rPr lang="en-US" sz="6000" kern="1200" dirty="0" err="1">
-                <a:solidFill>
-                  <a:schemeClr val="tx1"/>
-                </a:solidFill>
-                <a:latin typeface="+mj-lt"/>
-                <a:ea typeface="+mj-ea"/>
-                <a:cs typeface="+mj-cs"/>
-              </a:rPr>
-              <a:t>aus</a:t>
-            </a:r>
-            <a:r>
-              <a:rPr lang="en-US" sz="6000" kern="1200" dirty="0">
-                <a:solidFill>
-                  <a:schemeClr val="tx1"/>
-                </a:solidFill>
-                <a:latin typeface="+mj-lt"/>
-                <a:ea typeface="+mj-ea"/>
-                <a:cs typeface="+mj-cs"/>
-              </a:rPr>
-              <a:t> dem </a:t>
-            </a:r>
-            <a:r>
-              <a:rPr lang="en-US" sz="6000" kern="1200" dirty="0" err="1">
-                <a:solidFill>
-                  <a:schemeClr val="tx1"/>
-                </a:solidFill>
-                <a:latin typeface="+mj-lt"/>
-                <a:ea typeface="+mj-ea"/>
-                <a:cs typeface="+mj-cs"/>
-              </a:rPr>
-              <a:t>echten</a:t>
-            </a:r>
-            <a:r>
-              <a:rPr lang="en-US" sz="6000" kern="1200" dirty="0">
-                <a:solidFill>
-                  <a:schemeClr val="tx1"/>
-                </a:solidFill>
-                <a:latin typeface="+mj-lt"/>
-                <a:ea typeface="+mj-ea"/>
-                <a:cs typeface="+mj-cs"/>
-              </a:rPr>
-              <a:t> Leben</a:t>
-            </a:r>
+            <a:endParaRPr lang="en-US" sz="6000" kern="1200" dirty="0">
+              <a:solidFill>
+                <a:schemeClr val="tx1"/>
+              </a:solidFill>
+              <a:latin typeface="+mj-lt"/>
+              <a:ea typeface="+mj-ea"/>
+              <a:cs typeface="+mj-cs"/>
+            </a:endParaRPr>
           </a:p>
         </p:txBody>
       </p:sp>
@@ -18617,13 +18751,13 @@
   <p:clrMapOvr>
     <a:masterClrMapping/>
   </p:clrMapOvr>
-  <mc:AlternateContent xmlns:mc="http://schemas.openxmlformats.org/markup-compatibility/2006">
-    <mc:Choice xmlns:p159="http://schemas.microsoft.com/office/powerpoint/2015/09/main" Requires="p159">
+  <mc:AlternateContent xmlns:mc="http://schemas.openxmlformats.org/markup-compatibility/2006" xmlns:p159="http://schemas.microsoft.com/office/powerpoint/2015/09/main">
+    <mc:Choice Requires="p159">
       <p:transition xmlns:p14="http://schemas.microsoft.com/office/powerpoint/2010/main" spd="slow" p14:dur="2000">
         <p159:morph option="byObject"/>
       </p:transition>
     </mc:Choice>
-    <mc:Fallback>
+    <mc:Fallback xmlns="">
       <p:transition spd="slow">
         <p:fade/>
       </p:transition>
@@ -18932,13 +19066,13 @@
   <p:clrMapOvr>
     <a:masterClrMapping/>
   </p:clrMapOvr>
-  <mc:AlternateContent xmlns:mc="http://schemas.openxmlformats.org/markup-compatibility/2006">
-    <mc:Choice xmlns:p159="http://schemas.microsoft.com/office/powerpoint/2015/09/main" Requires="p159">
+  <mc:AlternateContent xmlns:mc="http://schemas.openxmlformats.org/markup-compatibility/2006" xmlns:p159="http://schemas.microsoft.com/office/powerpoint/2015/09/main">
+    <mc:Choice Requires="p159">
       <p:transition xmlns:p14="http://schemas.microsoft.com/office/powerpoint/2010/main" spd="slow" p14:dur="2000">
         <p159:morph option="byObject"/>
       </p:transition>
     </mc:Choice>
-    <mc:Fallback>
+    <mc:Fallback xmlns="">
       <p:transition spd="slow">
         <p:fade/>
       </p:transition>
@@ -19009,7 +19143,7 @@
             <p:ph idx="1"/>
             <p:extLst>
               <p:ext uri="{D42A27DB-BD31-4B8C-83A1-F6EECF244321}">
-                <p14:modId xmlns:p14="http://schemas.microsoft.com/office/powerpoint/2010/main" val="3863405472"/>
+                <p14:modId xmlns:p14="http://schemas.microsoft.com/office/powerpoint/2010/main" val="3557680805"/>
               </p:ext>
             </p:extLst>
           </p:nvPr>
@@ -19091,13 +19225,13 @@
   <p:clrMapOvr>
     <a:masterClrMapping/>
   </p:clrMapOvr>
-  <mc:AlternateContent xmlns:mc="http://schemas.openxmlformats.org/markup-compatibility/2006">
-    <mc:Choice xmlns:p159="http://schemas.microsoft.com/office/powerpoint/2015/09/main" Requires="p159">
+  <mc:AlternateContent xmlns:mc="http://schemas.openxmlformats.org/markup-compatibility/2006" xmlns:p159="http://schemas.microsoft.com/office/powerpoint/2015/09/main">
+    <mc:Choice Requires="p159">
       <p:transition xmlns:p14="http://schemas.microsoft.com/office/powerpoint/2010/main" spd="slow" p14:dur="2000">
         <p159:morph option="byObject"/>
       </p:transition>
     </mc:Choice>
-    <mc:Fallback>
+    <mc:Fallback xmlns="">
       <p:transition spd="slow">
         <p:fade/>
       </p:transition>
@@ -19734,4 +19868,298 @@
     </a:ext>
   </a:extLst>
 </a:theme>
+</file>
+
+<file path=customXml/item1.xml><?xml version="1.0" encoding="utf-8"?>
+<ct:contentTypeSchema xmlns:ct="http://schemas.microsoft.com/office/2006/metadata/contentType" xmlns:ma="http://schemas.microsoft.com/office/2006/metadata/properties/metaAttributes" ct:_="" ma:_="" ma:contentTypeName="Dokument" ma:contentTypeID="0x01010000C2666B6DA99B48900F2E7C9B4A9836" ma:contentTypeVersion="15" ma:contentTypeDescription="Ein neues Dokument erstellen." ma:contentTypeScope="" ma:versionID="3e4fe33730b61f6bee8cf847f983c443">
+  <xsd:schema xmlns:xsd="http://www.w3.org/2001/XMLSchema" xmlns:xs="http://www.w3.org/2001/XMLSchema" xmlns:p="http://schemas.microsoft.com/office/2006/metadata/properties" xmlns:ns3="30d3b31a-c820-48cf-ad72-1aa160e37949" xmlns:ns4="028cb945-42eb-4778-8712-dfbd5360556f" targetNamespace="http://schemas.microsoft.com/office/2006/metadata/properties" ma:root="true" ma:fieldsID="c1f921eb1c4f4f7fafd7a3eed22159e7" ns3:_="" ns4:_="">
+    <xsd:import namespace="30d3b31a-c820-48cf-ad72-1aa160e37949"/>
+    <xsd:import namespace="028cb945-42eb-4778-8712-dfbd5360556f"/>
+    <xsd:element name="properties">
+      <xsd:complexType>
+        <xsd:sequence>
+          <xsd:element name="documentManagement">
+            <xsd:complexType>
+              <xsd:all>
+                <xsd:element ref="ns3:SharedWithUsers" minOccurs="0"/>
+                <xsd:element ref="ns3:SharedWithDetails" minOccurs="0"/>
+                <xsd:element ref="ns3:SharingHintHash" minOccurs="0"/>
+                <xsd:element ref="ns4:MediaServiceMetadata" minOccurs="0"/>
+                <xsd:element ref="ns4:MediaServiceFastMetadata" minOccurs="0"/>
+                <xsd:element ref="ns4:MediaServiceDateTaken" minOccurs="0"/>
+                <xsd:element ref="ns4:MediaLengthInSeconds" minOccurs="0"/>
+                <xsd:element ref="ns4:MediaServiceAutoTags" minOccurs="0"/>
+                <xsd:element ref="ns4:MediaServiceOCR" minOccurs="0"/>
+                <xsd:element ref="ns4:MediaServiceGenerationTime" minOccurs="0"/>
+                <xsd:element ref="ns4:MediaServiceEventHashCode" minOccurs="0"/>
+                <xsd:element ref="ns4:_activity" minOccurs="0"/>
+                <xsd:element ref="ns4:MediaServiceObjectDetectorVersions" minOccurs="0"/>
+                <xsd:element ref="ns4:MediaServiceSystemTags" minOccurs="0"/>
+                <xsd:element ref="ns4:MediaServiceSearchProperties" minOccurs="0"/>
+              </xsd:all>
+            </xsd:complexType>
+          </xsd:element>
+        </xsd:sequence>
+      </xsd:complexType>
+    </xsd:element>
+  </xsd:schema>
+  <xsd:schema xmlns:xsd="http://www.w3.org/2001/XMLSchema" xmlns:xs="http://www.w3.org/2001/XMLSchema" xmlns:dms="http://schemas.microsoft.com/office/2006/documentManagement/types" xmlns:pc="http://schemas.microsoft.com/office/infopath/2007/PartnerControls" targetNamespace="30d3b31a-c820-48cf-ad72-1aa160e37949" elementFormDefault="qualified">
+    <xsd:import namespace="http://schemas.microsoft.com/office/2006/documentManagement/types"/>
+    <xsd:import namespace="http://schemas.microsoft.com/office/infopath/2007/PartnerControls"/>
+    <xsd:element name="SharedWithUsers" ma:index="8" nillable="true" ma:displayName="Freigegeben für" ma:internalName="SharedWithUsers" ma:readOnly="true">
+      <xsd:complexType>
+        <xsd:complexContent>
+          <xsd:extension base="dms:UserMulti">
+            <xsd:sequence>
+              <xsd:element name="UserInfo" minOccurs="0" maxOccurs="unbounded">
+                <xsd:complexType>
+                  <xsd:sequence>
+                    <xsd:element name="DisplayName" type="xsd:string" minOccurs="0"/>
+                    <xsd:element name="AccountId" type="dms:UserId" minOccurs="0" nillable="true"/>
+                    <xsd:element name="AccountType" type="xsd:string" minOccurs="0"/>
+                  </xsd:sequence>
+                </xsd:complexType>
+              </xsd:element>
+            </xsd:sequence>
+          </xsd:extension>
+        </xsd:complexContent>
+      </xsd:complexType>
+    </xsd:element>
+    <xsd:element name="SharedWithDetails" ma:index="9" nillable="true" ma:displayName="Freigegeben für - Details" ma:internalName="SharedWithDetails" ma:readOnly="true">
+      <xsd:simpleType>
+        <xsd:restriction base="dms:Note">
+          <xsd:maxLength value="255"/>
+        </xsd:restriction>
+      </xsd:simpleType>
+    </xsd:element>
+    <xsd:element name="SharingHintHash" ma:index="10" nillable="true" ma:displayName="Freigabehinweishash" ma:hidden="true" ma:internalName="SharingHintHash" ma:readOnly="true">
+      <xsd:simpleType>
+        <xsd:restriction base="dms:Text"/>
+      </xsd:simpleType>
+    </xsd:element>
+  </xsd:schema>
+  <xsd:schema xmlns:xsd="http://www.w3.org/2001/XMLSchema" xmlns:xs="http://www.w3.org/2001/XMLSchema" xmlns:dms="http://schemas.microsoft.com/office/2006/documentManagement/types" xmlns:pc="http://schemas.microsoft.com/office/infopath/2007/PartnerControls" targetNamespace="028cb945-42eb-4778-8712-dfbd5360556f" elementFormDefault="qualified">
+    <xsd:import namespace="http://schemas.microsoft.com/office/2006/documentManagement/types"/>
+    <xsd:import namespace="http://schemas.microsoft.com/office/infopath/2007/PartnerControls"/>
+    <xsd:element name="MediaServiceMetadata" ma:index="11" nillable="true" ma:displayName="MediaServiceMetadata" ma:hidden="true" ma:internalName="MediaServiceMetadata" ma:readOnly="true">
+      <xsd:simpleType>
+        <xsd:restriction base="dms:Note"/>
+      </xsd:simpleType>
+    </xsd:element>
+    <xsd:element name="MediaServiceFastMetadata" ma:index="12" nillable="true" ma:displayName="MediaServiceFastMetadata" ma:hidden="true" ma:internalName="MediaServiceFastMetadata" ma:readOnly="true">
+      <xsd:simpleType>
+        <xsd:restriction base="dms:Note"/>
+      </xsd:simpleType>
+    </xsd:element>
+    <xsd:element name="MediaServiceDateTaken" ma:index="13" nillable="true" ma:displayName="MediaServiceDateTaken" ma:hidden="true" ma:internalName="MediaServiceDateTaken" ma:readOnly="true">
+      <xsd:simpleType>
+        <xsd:restriction base="dms:Text"/>
+      </xsd:simpleType>
+    </xsd:element>
+    <xsd:element name="MediaLengthInSeconds" ma:index="14" nillable="true" ma:displayName="MediaLengthInSeconds" ma:hidden="true" ma:internalName="MediaLengthInSeconds" ma:readOnly="true">
+      <xsd:simpleType>
+        <xsd:restriction base="dms:Unknown"/>
+      </xsd:simpleType>
+    </xsd:element>
+    <xsd:element name="MediaServiceAutoTags" ma:index="15" nillable="true" ma:displayName="Tags" ma:internalName="MediaServiceAutoTags" ma:readOnly="true">
+      <xsd:simpleType>
+        <xsd:restriction base="dms:Text"/>
+      </xsd:simpleType>
+    </xsd:element>
+    <xsd:element name="MediaServiceOCR" ma:index="16" nillable="true" ma:displayName="Extracted Text" ma:internalName="MediaServiceOCR" ma:readOnly="true">
+      <xsd:simpleType>
+        <xsd:restriction base="dms:Note">
+          <xsd:maxLength value="255"/>
+        </xsd:restriction>
+      </xsd:simpleType>
+    </xsd:element>
+    <xsd:element name="MediaServiceGenerationTime" ma:index="17" nillable="true" ma:displayName="MediaServiceGenerationTime" ma:hidden="true" ma:internalName="MediaServiceGenerationTime" ma:readOnly="true">
+      <xsd:simpleType>
+        <xsd:restriction base="dms:Text"/>
+      </xsd:simpleType>
+    </xsd:element>
+    <xsd:element name="MediaServiceEventHashCode" ma:index="18" nillable="true" ma:displayName="MediaServiceEventHashCode" ma:hidden="true" ma:internalName="MediaServiceEventHashCode" ma:readOnly="true">
+      <xsd:simpleType>
+        <xsd:restriction base="dms:Text"/>
+      </xsd:simpleType>
+    </xsd:element>
+    <xsd:element name="_activity" ma:index="19" nillable="true" ma:displayName="_activity" ma:hidden="true" ma:internalName="_activity">
+      <xsd:simpleType>
+        <xsd:restriction base="dms:Note"/>
+      </xsd:simpleType>
+    </xsd:element>
+    <xsd:element name="MediaServiceObjectDetectorVersions" ma:index="20" nillable="true" ma:displayName="MediaServiceObjectDetectorVersions" ma:description="" ma:hidden="true" ma:indexed="true" ma:internalName="MediaServiceObjectDetectorVersions" ma:readOnly="true">
+      <xsd:simpleType>
+        <xsd:restriction base="dms:Text"/>
+      </xsd:simpleType>
+    </xsd:element>
+    <xsd:element name="MediaServiceSystemTags" ma:index="21" nillable="true" ma:displayName="MediaServiceSystemTags" ma:hidden="true" ma:internalName="MediaServiceSystemTags" ma:readOnly="true">
+      <xsd:simpleType>
+        <xsd:restriction base="dms:Note"/>
+      </xsd:simpleType>
+    </xsd:element>
+    <xsd:element name="MediaServiceSearchProperties" ma:index="22" nillable="true" ma:displayName="MediaServiceSearchProperties" ma:hidden="true" ma:internalName="MediaServiceSearchProperties" ma:readOnly="true">
+      <xsd:simpleType>
+        <xsd:restriction base="dms:Note"/>
+      </xsd:simpleType>
+    </xsd:element>
+  </xsd:schema>
+  <xsd:schema xmlns="http://schemas.openxmlformats.org/package/2006/metadata/core-properties" xmlns:xsd="http://www.w3.org/2001/XMLSchema" xmlns:xsi="http://www.w3.org/2001/XMLSchema-instance" xmlns:dc="http://purl.org/dc/elements/1.1/" xmlns:dcterms="http://purl.org/dc/terms/" xmlns:odoc="http://schemas.microsoft.com/internal/obd" targetNamespace="http://schemas.openxmlformats.org/package/2006/metadata/core-properties" elementFormDefault="qualified" attributeFormDefault="unqualified" blockDefault="#all">
+    <xsd:import namespace="http://purl.org/dc/elements/1.1/" schemaLocation="http://dublincore.org/schemas/xmls/qdc/2003/04/02/dc.xsd"/>
+    <xsd:import namespace="http://purl.org/dc/terms/" schemaLocation="http://dublincore.org/schemas/xmls/qdc/2003/04/02/dcterms.xsd"/>
+    <xsd:element name="coreProperties" type="CT_coreProperties"/>
+    <xsd:complexType name="CT_coreProperties">
+      <xsd:all>
+        <xsd:element ref="dc:creator" minOccurs="0" maxOccurs="1"/>
+        <xsd:element ref="dcterms:created" minOccurs="0" maxOccurs="1"/>
+        <xsd:element ref="dc:identifier" minOccurs="0" maxOccurs="1"/>
+        <xsd:element name="contentType" minOccurs="0" maxOccurs="1" type="xsd:string" ma:index="0" ma:displayName="Inhaltstyp"/>
+        <xsd:element ref="dc:title" minOccurs="0" maxOccurs="1" ma:index="4" ma:displayName="Titel"/>
+        <xsd:element ref="dc:subject" minOccurs="0" maxOccurs="1"/>
+        <xsd:element ref="dc:description" minOccurs="0" maxOccurs="1"/>
+        <xsd:element name="keywords" minOccurs="0" maxOccurs="1" type="xsd:string"/>
+        <xsd:element ref="dc:language" minOccurs="0" maxOccurs="1"/>
+        <xsd:element name="category" minOccurs="0" maxOccurs="1" type="xsd:string"/>
+        <xsd:element name="version" minOccurs="0" maxOccurs="1" type="xsd:string"/>
+        <xsd:element name="revision" minOccurs="0" maxOccurs="1" type="xsd:string">
+          <xsd:annotation>
+            <xsd:documentation>
+                        This value indicates the number of saves or revisions. The application is responsible for updating this value after each revision.
+                    </xsd:documentation>
+          </xsd:annotation>
+        </xsd:element>
+        <xsd:element name="lastModifiedBy" minOccurs="0" maxOccurs="1" type="xsd:string"/>
+        <xsd:element ref="dcterms:modified" minOccurs="0" maxOccurs="1"/>
+        <xsd:element name="contentStatus" minOccurs="0" maxOccurs="1" type="xsd:string"/>
+      </xsd:all>
+    </xsd:complexType>
+  </xsd:schema>
+  <xs:schema xmlns:pc="http://schemas.microsoft.com/office/infopath/2007/PartnerControls" xmlns:xs="http://www.w3.org/2001/XMLSchema" targetNamespace="http://schemas.microsoft.com/office/infopath/2007/PartnerControls" elementFormDefault="qualified" attributeFormDefault="unqualified">
+    <xs:element name="Person">
+      <xs:complexType>
+        <xs:sequence>
+          <xs:element ref="pc:DisplayName" minOccurs="0"/>
+          <xs:element ref="pc:AccountId" minOccurs="0"/>
+          <xs:element ref="pc:AccountType" minOccurs="0"/>
+        </xs:sequence>
+      </xs:complexType>
+    </xs:element>
+    <xs:element name="DisplayName" type="xs:string"/>
+    <xs:element name="AccountId" type="xs:string"/>
+    <xs:element name="AccountType" type="xs:string"/>
+    <xs:element name="BDCAssociatedEntity">
+      <xs:complexType>
+        <xs:sequence>
+          <xs:element ref="pc:BDCEntity" minOccurs="0" maxOccurs="unbounded"/>
+        </xs:sequence>
+        <xs:attribute ref="pc:EntityNamespace"/>
+        <xs:attribute ref="pc:EntityName"/>
+        <xs:attribute ref="pc:SystemInstanceName"/>
+        <xs:attribute ref="pc:AssociationName"/>
+      </xs:complexType>
+    </xs:element>
+    <xs:attribute name="EntityNamespace" type="xs:string"/>
+    <xs:attribute name="EntityName" type="xs:string"/>
+    <xs:attribute name="SystemInstanceName" type="xs:string"/>
+    <xs:attribute name="AssociationName" type="xs:string"/>
+    <xs:element name="BDCEntity">
+      <xs:complexType>
+        <xs:sequence>
+          <xs:element ref="pc:EntityDisplayName" minOccurs="0"/>
+          <xs:element ref="pc:EntityInstanceReference" minOccurs="0"/>
+          <xs:element ref="pc:EntityId1" minOccurs="0"/>
+          <xs:element ref="pc:EntityId2" minOccurs="0"/>
+          <xs:element ref="pc:EntityId3" minOccurs="0"/>
+          <xs:element ref="pc:EntityId4" minOccurs="0"/>
+          <xs:element ref="pc:EntityId5" minOccurs="0"/>
+        </xs:sequence>
+      </xs:complexType>
+    </xs:element>
+    <xs:element name="EntityDisplayName" type="xs:string"/>
+    <xs:element name="EntityInstanceReference" type="xs:string"/>
+    <xs:element name="EntityId1" type="xs:string"/>
+    <xs:element name="EntityId2" type="xs:string"/>
+    <xs:element name="EntityId3" type="xs:string"/>
+    <xs:element name="EntityId4" type="xs:string"/>
+    <xs:element name="EntityId5" type="xs:string"/>
+    <xs:element name="Terms">
+      <xs:complexType>
+        <xs:sequence>
+          <xs:element ref="pc:TermInfo" minOccurs="0" maxOccurs="unbounded"/>
+        </xs:sequence>
+      </xs:complexType>
+    </xs:element>
+    <xs:element name="TermInfo">
+      <xs:complexType>
+        <xs:sequence>
+          <xs:element ref="pc:TermName" minOccurs="0"/>
+          <xs:element ref="pc:TermId" minOccurs="0"/>
+        </xs:sequence>
+      </xs:complexType>
+    </xs:element>
+    <xs:element name="TermName" type="xs:string"/>
+    <xs:element name="TermId" type="xs:string"/>
+  </xs:schema>
+</ct:contentTypeSchema>
+</file>
+
+<file path=customXml/item2.xml><?xml version="1.0" encoding="utf-8"?>
+<?mso-contentType ?>
+<FormTemplates xmlns="http://schemas.microsoft.com/sharepoint/v3/contenttype/forms">
+  <Display>DocumentLibraryForm</Display>
+  <Edit>DocumentLibraryForm</Edit>
+  <New>DocumentLibraryForm</New>
+</FormTemplates>
+</file>
+
+<file path=customXml/item3.xml><?xml version="1.0" encoding="utf-8"?>
+<p:properties xmlns:p="http://schemas.microsoft.com/office/2006/metadata/properties" xmlns:xsi="http://www.w3.org/2001/XMLSchema-instance" xmlns:pc="http://schemas.microsoft.com/office/infopath/2007/PartnerControls">
+  <documentManagement>
+    <_activity xmlns="028cb945-42eb-4778-8712-dfbd5360556f" xsi:nil="true"/>
+  </documentManagement>
+</p:properties>
+</file>
+
+<file path=customXml/itemProps1.xml><?xml version="1.0" encoding="utf-8"?>
+<ds:datastoreItem xmlns:ds="http://schemas.openxmlformats.org/officeDocument/2006/customXml" ds:itemID="{F57E3C0D-6AD0-48FF-9838-A515F27EF9C1}">
+  <ds:schemaRefs>
+    <ds:schemaRef ds:uri="http://schemas.microsoft.com/office/2006/metadata/contentType"/>
+    <ds:schemaRef ds:uri="http://schemas.microsoft.com/office/2006/metadata/properties/metaAttributes"/>
+    <ds:schemaRef ds:uri="http://www.w3.org/2001/XMLSchema"/>
+    <ds:schemaRef ds:uri="http://schemas.microsoft.com/office/2006/metadata/properties"/>
+    <ds:schemaRef ds:uri="30d3b31a-c820-48cf-ad72-1aa160e37949"/>
+    <ds:schemaRef ds:uri="028cb945-42eb-4778-8712-dfbd5360556f"/>
+    <ds:schemaRef ds:uri="http://schemas.microsoft.com/office/2006/documentManagement/types"/>
+    <ds:schemaRef ds:uri="http://schemas.microsoft.com/office/infopath/2007/PartnerControls"/>
+    <ds:schemaRef ds:uri="http://schemas.openxmlformats.org/package/2006/metadata/core-properties"/>
+    <ds:schemaRef ds:uri="http://purl.org/dc/elements/1.1/"/>
+    <ds:schemaRef ds:uri="http://purl.org/dc/terms/"/>
+    <ds:schemaRef ds:uri="http://schemas.microsoft.com/internal/obd"/>
+  </ds:schemaRefs>
+</ds:datastoreItem>
+</file>
+
+<file path=customXml/itemProps2.xml><?xml version="1.0" encoding="utf-8"?>
+<ds:datastoreItem xmlns:ds="http://schemas.openxmlformats.org/officeDocument/2006/customXml" ds:itemID="{F71266C4-34B7-45BC-B31E-2CDEFF22525D}">
+  <ds:schemaRefs>
+    <ds:schemaRef ds:uri="http://schemas.microsoft.com/sharepoint/v3/contenttype/forms"/>
+  </ds:schemaRefs>
+</ds:datastoreItem>
+</file>
+
+<file path=customXml/itemProps3.xml><?xml version="1.0" encoding="utf-8"?>
+<ds:datastoreItem xmlns:ds="http://schemas.openxmlformats.org/officeDocument/2006/customXml" ds:itemID="{747608E2-5E0E-4FB1-9B49-F8EB176CC3F7}">
+  <ds:schemaRefs>
+    <ds:schemaRef ds:uri="http://purl.org/dc/elements/1.1/"/>
+    <ds:schemaRef ds:uri="028cb945-42eb-4778-8712-dfbd5360556f"/>
+    <ds:schemaRef ds:uri="http://schemas.microsoft.com/office/infopath/2007/PartnerControls"/>
+    <ds:schemaRef ds:uri="http://schemas.microsoft.com/office/2006/documentManagement/types"/>
+    <ds:schemaRef ds:uri="http://schemas.openxmlformats.org/package/2006/metadata/core-properties"/>
+    <ds:schemaRef ds:uri="http://purl.org/dc/dcmitype/"/>
+    <ds:schemaRef ds:uri="http://purl.org/dc/terms/"/>
+    <ds:schemaRef ds:uri="30d3b31a-c820-48cf-ad72-1aa160e37949"/>
+    <ds:schemaRef ds:uri="http://schemas.microsoft.com/office/2006/metadata/properties"/>
+    <ds:schemaRef ds:uri="http://www.w3.org/XML/1998/namespace"/>
+  </ds:schemaRefs>
+</ds:datastoreItem>
 </file>